--- a/Paste IMG.pptx
+++ b/Paste IMG.pptx
@@ -122,169 +122,9 @@
 <file path=ppt/revisionInfo.xml><?xml version="1.0" encoding="utf-8"?>
 <p1510:revInfo xmlns:a="http://schemas.openxmlformats.org/drawingml/2006/main" xmlns:r="http://schemas.openxmlformats.org/officeDocument/2006/relationships" xmlns:p1510="http://schemas.microsoft.com/office/powerpoint/2015/10/main">
   <p1510:revLst>
-    <p1510:client id="{69C8CCAE-F1E8-4320-AFE8-4CEF3B31808E}" v="4" dt="2023-06-01T19:55:38.763"/>
+    <p1510:client id="{69C8CCAE-F1E8-4320-AFE8-4CEF3B31808E}" v="5" dt="2023-06-02T09:37:02.212"/>
   </p1510:revLst>
 </p1510:revInfo>
-</file>
-
-<file path=ppt/changesInfos/changesInfo1.xml><?xml version="1.0" encoding="utf-8"?>
-<pc:chgInfo xmlns:a="http://schemas.openxmlformats.org/drawingml/2006/main" xmlns:r="http://schemas.openxmlformats.org/officeDocument/2006/relationships" xmlns:ac="http://schemas.microsoft.com/office/drawing/2013/main/command" xmlns:pc="http://schemas.microsoft.com/office/powerpoint/2013/main/command">
-  <pc:docChgLst>
-    <pc:chgData name="Kiss Levente" userId="28dc0578-9bb2-4b56-94dd-3e7c23005fee" providerId="ADAL" clId="{69C8CCAE-F1E8-4320-AFE8-4CEF3B31808E}"/>
-    <pc:docChg chg="undo custSel addSld modSld">
-      <pc:chgData name="Kiss Levente" userId="28dc0578-9bb2-4b56-94dd-3e7c23005fee" providerId="ADAL" clId="{69C8CCAE-F1E8-4320-AFE8-4CEF3B31808E}" dt="2023-06-01T20:03:15.109" v="3726" actId="20577"/>
-      <pc:docMkLst>
-        <pc:docMk/>
-      </pc:docMkLst>
-      <pc:sldChg chg="modSp mod">
-        <pc:chgData name="Kiss Levente" userId="28dc0578-9bb2-4b56-94dd-3e7c23005fee" providerId="ADAL" clId="{69C8CCAE-F1E8-4320-AFE8-4CEF3B31808E}" dt="2023-06-01T19:34:24.045" v="400" actId="20577"/>
-        <pc:sldMkLst>
-          <pc:docMk/>
-          <pc:sldMk cId="1113065665" sldId="258"/>
-        </pc:sldMkLst>
-        <pc:spChg chg="mod">
-          <ac:chgData name="Kiss Levente" userId="28dc0578-9bb2-4b56-94dd-3e7c23005fee" providerId="ADAL" clId="{69C8CCAE-F1E8-4320-AFE8-4CEF3B31808E}" dt="2023-06-01T19:31:50.769" v="17" actId="20577"/>
-          <ac:spMkLst>
-            <pc:docMk/>
-            <pc:sldMk cId="1113065665" sldId="258"/>
-            <ac:spMk id="2" creationId="{E8029887-DD42-EB7B-D3EB-A58CF3D0E93A}"/>
-          </ac:spMkLst>
-        </pc:spChg>
-        <pc:spChg chg="mod">
-          <ac:chgData name="Kiss Levente" userId="28dc0578-9bb2-4b56-94dd-3e7c23005fee" providerId="ADAL" clId="{69C8CCAE-F1E8-4320-AFE8-4CEF3B31808E}" dt="2023-06-01T19:34:24.045" v="400" actId="20577"/>
-          <ac:spMkLst>
-            <pc:docMk/>
-            <pc:sldMk cId="1113065665" sldId="258"/>
-            <ac:spMk id="3" creationId="{B98A07BF-927E-6B0D-D72E-E2D7446211F6}"/>
-          </ac:spMkLst>
-        </pc:spChg>
-      </pc:sldChg>
-      <pc:sldChg chg="modSp new mod">
-        <pc:chgData name="Kiss Levente" userId="28dc0578-9bb2-4b56-94dd-3e7c23005fee" providerId="ADAL" clId="{69C8CCAE-F1E8-4320-AFE8-4CEF3B31808E}" dt="2023-06-01T19:49:06.834" v="1821" actId="6549"/>
-        <pc:sldMkLst>
-          <pc:docMk/>
-          <pc:sldMk cId="1255052513" sldId="259"/>
-        </pc:sldMkLst>
-        <pc:spChg chg="mod">
-          <ac:chgData name="Kiss Levente" userId="28dc0578-9bb2-4b56-94dd-3e7c23005fee" providerId="ADAL" clId="{69C8CCAE-F1E8-4320-AFE8-4CEF3B31808E}" dt="2023-06-01T19:34:34.876" v="417" actId="20577"/>
-          <ac:spMkLst>
-            <pc:docMk/>
-            <pc:sldMk cId="1255052513" sldId="259"/>
-            <ac:spMk id="2" creationId="{D0947914-C775-4587-A61F-5A547434132E}"/>
-          </ac:spMkLst>
-        </pc:spChg>
-        <pc:spChg chg="mod">
-          <ac:chgData name="Kiss Levente" userId="28dc0578-9bb2-4b56-94dd-3e7c23005fee" providerId="ADAL" clId="{69C8CCAE-F1E8-4320-AFE8-4CEF3B31808E}" dt="2023-06-01T19:49:06.834" v="1821" actId="6549"/>
-          <ac:spMkLst>
-            <pc:docMk/>
-            <pc:sldMk cId="1255052513" sldId="259"/>
-            <ac:spMk id="3" creationId="{E99B8EF2-1268-FE95-EBC7-07746367A120}"/>
-          </ac:spMkLst>
-        </pc:spChg>
-      </pc:sldChg>
-      <pc:sldChg chg="modSp new mod">
-        <pc:chgData name="Kiss Levente" userId="28dc0578-9bb2-4b56-94dd-3e7c23005fee" providerId="ADAL" clId="{69C8CCAE-F1E8-4320-AFE8-4CEF3B31808E}" dt="2023-06-01T19:52:13.643" v="2317" actId="20577"/>
-        <pc:sldMkLst>
-          <pc:docMk/>
-          <pc:sldMk cId="206794667" sldId="260"/>
-        </pc:sldMkLst>
-        <pc:spChg chg="mod">
-          <ac:chgData name="Kiss Levente" userId="28dc0578-9bb2-4b56-94dd-3e7c23005fee" providerId="ADAL" clId="{69C8CCAE-F1E8-4320-AFE8-4CEF3B31808E}" dt="2023-06-01T19:49:30.521" v="1837" actId="20577"/>
-          <ac:spMkLst>
-            <pc:docMk/>
-            <pc:sldMk cId="206794667" sldId="260"/>
-            <ac:spMk id="2" creationId="{25CD4474-973A-18DC-79B6-84E859219BFF}"/>
-          </ac:spMkLst>
-        </pc:spChg>
-        <pc:spChg chg="mod">
-          <ac:chgData name="Kiss Levente" userId="28dc0578-9bb2-4b56-94dd-3e7c23005fee" providerId="ADAL" clId="{69C8CCAE-F1E8-4320-AFE8-4CEF3B31808E}" dt="2023-06-01T19:52:13.643" v="2317" actId="20577"/>
-          <ac:spMkLst>
-            <pc:docMk/>
-            <pc:sldMk cId="206794667" sldId="260"/>
-            <ac:spMk id="3" creationId="{F5974F37-02F8-24F2-C501-4D4C51D5ADB6}"/>
-          </ac:spMkLst>
-        </pc:spChg>
-      </pc:sldChg>
-      <pc:sldChg chg="addSp modSp new mod">
-        <pc:chgData name="Kiss Levente" userId="28dc0578-9bb2-4b56-94dd-3e7c23005fee" providerId="ADAL" clId="{69C8CCAE-F1E8-4320-AFE8-4CEF3B31808E}" dt="2023-06-01T19:55:47.464" v="2649" actId="14100"/>
-        <pc:sldMkLst>
-          <pc:docMk/>
-          <pc:sldMk cId="2167977562" sldId="261"/>
-        </pc:sldMkLst>
-        <pc:spChg chg="mod">
-          <ac:chgData name="Kiss Levente" userId="28dc0578-9bb2-4b56-94dd-3e7c23005fee" providerId="ADAL" clId="{69C8CCAE-F1E8-4320-AFE8-4CEF3B31808E}" dt="2023-06-01T19:52:21.809" v="2334" actId="20577"/>
-          <ac:spMkLst>
-            <pc:docMk/>
-            <pc:sldMk cId="2167977562" sldId="261"/>
-            <ac:spMk id="2" creationId="{4C9F9626-7E32-FC7A-6987-05B2ED7098A1}"/>
-          </ac:spMkLst>
-        </pc:spChg>
-        <pc:spChg chg="mod">
-          <ac:chgData name="Kiss Levente" userId="28dc0578-9bb2-4b56-94dd-3e7c23005fee" providerId="ADAL" clId="{69C8CCAE-F1E8-4320-AFE8-4CEF3B31808E}" dt="2023-06-01T19:53:38.792" v="2629" actId="14"/>
-          <ac:spMkLst>
-            <pc:docMk/>
-            <pc:sldMk cId="2167977562" sldId="261"/>
-            <ac:spMk id="3" creationId="{EE5FCA50-6682-348F-4D10-5A5DBE0362C2}"/>
-          </ac:spMkLst>
-        </pc:spChg>
-        <pc:graphicFrameChg chg="add mod">
-          <ac:chgData name="Kiss Levente" userId="28dc0578-9bb2-4b56-94dd-3e7c23005fee" providerId="ADAL" clId="{69C8CCAE-F1E8-4320-AFE8-4CEF3B31808E}" dt="2023-06-01T19:55:47.464" v="2649" actId="14100"/>
-          <ac:graphicFrameMkLst>
-            <pc:docMk/>
-            <pc:sldMk cId="2167977562" sldId="261"/>
-            <ac:graphicFrameMk id="6" creationId="{9B48EBD6-A7D3-E442-F912-DBECB097272B}"/>
-          </ac:graphicFrameMkLst>
-        </pc:graphicFrameChg>
-      </pc:sldChg>
-      <pc:sldChg chg="modSp new mod">
-        <pc:chgData name="Kiss Levente" userId="28dc0578-9bb2-4b56-94dd-3e7c23005fee" providerId="ADAL" clId="{69C8CCAE-F1E8-4320-AFE8-4CEF3B31808E}" dt="2023-06-01T19:59:28.488" v="2985" actId="20577"/>
-        <pc:sldMkLst>
-          <pc:docMk/>
-          <pc:sldMk cId="3719834941" sldId="262"/>
-        </pc:sldMkLst>
-        <pc:spChg chg="mod">
-          <ac:chgData name="Kiss Levente" userId="28dc0578-9bb2-4b56-94dd-3e7c23005fee" providerId="ADAL" clId="{69C8CCAE-F1E8-4320-AFE8-4CEF3B31808E}" dt="2023-06-01T19:57:16.979" v="2670" actId="20577"/>
-          <ac:spMkLst>
-            <pc:docMk/>
-            <pc:sldMk cId="3719834941" sldId="262"/>
-            <ac:spMk id="2" creationId="{5459A3F5-033A-222A-88D4-AE78607BB9F1}"/>
-          </ac:spMkLst>
-        </pc:spChg>
-        <pc:spChg chg="mod">
-          <ac:chgData name="Kiss Levente" userId="28dc0578-9bb2-4b56-94dd-3e7c23005fee" providerId="ADAL" clId="{69C8CCAE-F1E8-4320-AFE8-4CEF3B31808E}" dt="2023-06-01T19:59:28.488" v="2985" actId="20577"/>
-          <ac:spMkLst>
-            <pc:docMk/>
-            <pc:sldMk cId="3719834941" sldId="262"/>
-            <ac:spMk id="3" creationId="{9B5AFBE6-50E1-75CD-CF6B-E545A5BC6B45}"/>
-          </ac:spMkLst>
-        </pc:spChg>
-      </pc:sldChg>
-      <pc:sldChg chg="modSp new mod">
-        <pc:chgData name="Kiss Levente" userId="28dc0578-9bb2-4b56-94dd-3e7c23005fee" providerId="ADAL" clId="{69C8CCAE-F1E8-4320-AFE8-4CEF3B31808E}" dt="2023-06-01T20:03:15.109" v="3726" actId="20577"/>
-        <pc:sldMkLst>
-          <pc:docMk/>
-          <pc:sldMk cId="2370649734" sldId="263"/>
-        </pc:sldMkLst>
-        <pc:spChg chg="mod">
-          <ac:chgData name="Kiss Levente" userId="28dc0578-9bb2-4b56-94dd-3e7c23005fee" providerId="ADAL" clId="{69C8CCAE-F1E8-4320-AFE8-4CEF3B31808E}" dt="2023-06-01T20:00:05.055" v="3008" actId="20577"/>
-          <ac:spMkLst>
-            <pc:docMk/>
-            <pc:sldMk cId="2370649734" sldId="263"/>
-            <ac:spMk id="2" creationId="{8C217120-F369-C695-68F1-35024F2A63D5}"/>
-          </ac:spMkLst>
-        </pc:spChg>
-        <pc:spChg chg="mod">
-          <ac:chgData name="Kiss Levente" userId="28dc0578-9bb2-4b56-94dd-3e7c23005fee" providerId="ADAL" clId="{69C8CCAE-F1E8-4320-AFE8-4CEF3B31808E}" dt="2023-06-01T20:03:15.109" v="3726" actId="20577"/>
-          <ac:spMkLst>
-            <pc:docMk/>
-            <pc:sldMk cId="2370649734" sldId="263"/>
-            <ac:spMk id="3" creationId="{589D36E5-9C90-12FE-2A8B-ED4AE2FCF21F}"/>
-          </ac:spMkLst>
-        </pc:spChg>
-      </pc:sldChg>
-    </pc:docChg>
-  </pc:docChgLst>
-</pc:chgInfo>
 </file>
 
 <file path=ppt/charts/chart1.xml><?xml version="1.0" encoding="utf-8"?>
@@ -306,127 +146,6 @@
       <c:layout/>
       <c:pieChart>
         <c:varyColors val="1"/>
-        <c:ser>
-          <c:idx val="0"/>
-          <c:order val="0"/>
-          <c:tx>
-            <c:strRef>
-              <c:f>Munka1!$B$1</c:f>
-              <c:strCache>
-                <c:ptCount val="1"/>
-                <c:pt idx="0">
-                  <c:v>Értékesítés</c:v>
-                </c:pt>
-              </c:strCache>
-            </c:strRef>
-          </c:tx>
-          <c:dPt>
-            <c:idx val="0"/>
-            <c:bubble3D val="0"/>
-            <c:spPr>
-              <a:solidFill>
-                <a:schemeClr val="accent1"/>
-              </a:solidFill>
-              <a:ln w="19050">
-                <a:solidFill>
-                  <a:schemeClr val="lt1"/>
-                </a:solidFill>
-              </a:ln>
-              <a:effectLst/>
-            </c:spPr>
-          </c:dPt>
-          <c:dPt>
-            <c:idx val="1"/>
-            <c:bubble3D val="0"/>
-            <c:spPr>
-              <a:solidFill>
-                <a:schemeClr val="accent2"/>
-              </a:solidFill>
-              <a:ln w="19050">
-                <a:solidFill>
-                  <a:schemeClr val="lt1"/>
-                </a:solidFill>
-              </a:ln>
-              <a:effectLst/>
-            </c:spPr>
-          </c:dPt>
-          <c:dPt>
-            <c:idx val="2"/>
-            <c:bubble3D val="0"/>
-            <c:spPr>
-              <a:solidFill>
-                <a:schemeClr val="accent3"/>
-              </a:solidFill>
-              <a:ln w="19050">
-                <a:solidFill>
-                  <a:schemeClr val="lt1"/>
-                </a:solidFill>
-              </a:ln>
-              <a:effectLst/>
-            </c:spPr>
-          </c:dPt>
-          <c:dPt>
-            <c:idx val="3"/>
-            <c:bubble3D val="0"/>
-            <c:spPr>
-              <a:solidFill>
-                <a:schemeClr val="accent4"/>
-              </a:solidFill>
-              <a:ln w="19050">
-                <a:solidFill>
-                  <a:schemeClr val="lt1"/>
-                </a:solidFill>
-              </a:ln>
-              <a:effectLst/>
-            </c:spPr>
-          </c:dPt>
-          <c:cat>
-            <c:strRef>
-              <c:f>Munka1!$A$2:$A$5</c:f>
-              <c:strCache>
-                <c:ptCount val="4"/>
-                <c:pt idx="0">
-                  <c:v>Benjámin</c:v>
-                </c:pt>
-                <c:pt idx="1">
-                  <c:v>Levente</c:v>
-                </c:pt>
-                <c:pt idx="2">
-                  <c:v>Sámuel</c:v>
-                </c:pt>
-                <c:pt idx="3">
-                  <c:v>Máté</c:v>
-                </c:pt>
-              </c:strCache>
-            </c:strRef>
-          </c:cat>
-          <c:val>
-            <c:numRef>
-              <c:f>Munka1!$B$2:$B$5</c:f>
-              <c:numCache>
-                <c:formatCode>General</c:formatCode>
-                <c:ptCount val="4"/>
-                <c:pt idx="0">
-                  <c:v>34</c:v>
-                </c:pt>
-                <c:pt idx="1">
-                  <c:v>22</c:v>
-                </c:pt>
-                <c:pt idx="2">
-                  <c:v>22</c:v>
-                </c:pt>
-                <c:pt idx="3">
-                  <c:v>22</c:v>
-                </c:pt>
-              </c:numCache>
-            </c:numRef>
-          </c:val>
-          <c:extLst>
-            <c:ext xmlns:c16="http://schemas.microsoft.com/office/drawing/2014/chart" uri="{C3380CC4-5D6E-409C-BE32-E72D297353CC}">
-              <c16:uniqueId val="{00000000-2E66-4176-B758-5BEC02E33726}"/>
-            </c:ext>
-          </c:extLst>
-        </c:ser>
         <c:dLbls>
           <c:showLegendKey val="0"/>
           <c:showVal val="0"/>
@@ -434,7 +153,7 @@
           <c:showSerName val="0"/>
           <c:showPercent val="0"/>
           <c:showBubbleSize val="0"/>
-          <c:showLeaderLines val="1"/>
+          <c:showLeaderLines val="0"/>
         </c:dLbls>
         <c:firstSliceAng val="0"/>
       </c:pieChart>
@@ -1256,7 +975,7 @@
           <a:p>
             <a:fld id="{4AAD347D-5ACD-4C99-B74B-A9C85AD731AF}" type="datetimeFigureOut">
               <a:rPr lang="en-US" dirty="0"/>
-              <a:t>6/1/2023</a:t>
+              <a:t>6/2/2023</a:t>
             </a:fld>
             <a:endParaRPr lang="en-US" dirty="0"/>
           </a:p>
@@ -1526,7 +1245,7 @@
           <a:p>
             <a:fld id="{4509A250-FF31-4206-8172-F9D3106AACB1}" type="datetimeFigureOut">
               <a:rPr lang="en-US" dirty="0"/>
-              <a:t>6/1/2023</a:t>
+              <a:t>6/2/2023</a:t>
             </a:fld>
             <a:endParaRPr lang="en-US" dirty="0"/>
           </a:p>
@@ -1715,7 +1434,7 @@
           <a:p>
             <a:fld id="{4509A250-FF31-4206-8172-F9D3106AACB1}" type="datetimeFigureOut">
               <a:rPr lang="en-US" dirty="0"/>
-              <a:t>6/1/2023</a:t>
+              <a:t>6/2/2023</a:t>
             </a:fld>
             <a:endParaRPr lang="en-US" dirty="0"/>
           </a:p>
@@ -1981,7 +1700,7 @@
           <a:p>
             <a:fld id="{4509A250-FF31-4206-8172-F9D3106AACB1}" type="datetimeFigureOut">
               <a:rPr lang="en-US" dirty="0"/>
-              <a:t>6/1/2023</a:t>
+              <a:t>6/2/2023</a:t>
             </a:fld>
             <a:endParaRPr lang="en-US" dirty="0"/>
           </a:p>
@@ -2303,7 +2022,7 @@
           <a:p>
             <a:fld id="{4509A250-FF31-4206-8172-F9D3106AACB1}" type="datetimeFigureOut">
               <a:rPr lang="en-US" dirty="0"/>
-              <a:t>6/1/2023</a:t>
+              <a:t>6/2/2023</a:t>
             </a:fld>
             <a:endParaRPr lang="en-US" dirty="0"/>
           </a:p>
@@ -2917,7 +2636,7 @@
           <a:p>
             <a:fld id="{4509A250-FF31-4206-8172-F9D3106AACB1}" type="datetimeFigureOut">
               <a:rPr lang="en-US" dirty="0"/>
-              <a:t>6/1/2023</a:t>
+              <a:t>6/2/2023</a:t>
             </a:fld>
             <a:endParaRPr lang="en-US" dirty="0"/>
           </a:p>
@@ -3759,7 +3478,7 @@
           <a:p>
             <a:fld id="{4509A250-FF31-4206-8172-F9D3106AACB1}" type="datetimeFigureOut">
               <a:rPr lang="en-US" dirty="0"/>
-              <a:t>6/1/2023</a:t>
+              <a:t>6/2/2023</a:t>
             </a:fld>
             <a:endParaRPr lang="en-US" dirty="0"/>
           </a:p>
@@ -3924,7 +3643,7 @@
           <a:p>
             <a:fld id="{4509A250-FF31-4206-8172-F9D3106AACB1}" type="datetimeFigureOut">
               <a:rPr lang="en-US" dirty="0"/>
-              <a:t>6/1/2023</a:t>
+              <a:t>6/2/2023</a:t>
             </a:fld>
             <a:endParaRPr lang="en-US" dirty="0"/>
           </a:p>
@@ -4099,7 +3818,7 @@
           <a:p>
             <a:fld id="{4509A250-FF31-4206-8172-F9D3106AACB1}" type="datetimeFigureOut">
               <a:rPr lang="en-US" dirty="0"/>
-              <a:t>6/1/2023</a:t>
+              <a:t>6/2/2023</a:t>
             </a:fld>
             <a:endParaRPr lang="en-US" dirty="0"/>
           </a:p>
@@ -4264,7 +3983,7 @@
           <a:p>
             <a:fld id="{9796027F-7875-4030-9381-8BD8C4F21935}" type="datetimeFigureOut">
               <a:rPr lang="en-US" dirty="0"/>
-              <a:t>6/1/2023</a:t>
+              <a:t>6/2/2023</a:t>
             </a:fld>
             <a:endParaRPr lang="en-US" dirty="0"/>
           </a:p>
@@ -4506,7 +4225,7 @@
           <a:p>
             <a:fld id="{9796027F-7875-4030-9381-8BD8C4F21935}" type="datetimeFigureOut">
               <a:rPr lang="en-US" dirty="0"/>
-              <a:t>6/1/2023</a:t>
+              <a:t>6/2/2023</a:t>
             </a:fld>
             <a:endParaRPr lang="en-US" dirty="0"/>
           </a:p>
@@ -4793,7 +4512,7 @@
           <a:p>
             <a:fld id="{9796027F-7875-4030-9381-8BD8C4F21935}" type="datetimeFigureOut">
               <a:rPr lang="en-US" dirty="0"/>
-              <a:t>6/1/2023</a:t>
+              <a:t>6/2/2023</a:t>
             </a:fld>
             <a:endParaRPr lang="en-US" dirty="0"/>
           </a:p>
@@ -5232,7 +4951,7 @@
           <a:p>
             <a:fld id="{9796027F-7875-4030-9381-8BD8C4F21935}" type="datetimeFigureOut">
               <a:rPr lang="en-US" dirty="0"/>
-              <a:t>6/1/2023</a:t>
+              <a:t>6/2/2023</a:t>
             </a:fld>
             <a:endParaRPr lang="en-US" dirty="0"/>
           </a:p>
@@ -5345,7 +5064,7 @@
           <a:p>
             <a:fld id="{4509A250-FF31-4206-8172-F9D3106AACB1}" type="datetimeFigureOut">
               <a:rPr lang="en-US" dirty="0"/>
-              <a:t>6/1/2023</a:t>
+              <a:t>6/2/2023</a:t>
             </a:fld>
             <a:endParaRPr lang="en-US" dirty="0"/>
           </a:p>
@@ -5435,7 +5154,7 @@
           <a:p>
             <a:fld id="{4509A250-FF31-4206-8172-F9D3106AACB1}" type="datetimeFigureOut">
               <a:rPr lang="en-US" dirty="0"/>
-              <a:t>6/1/2023</a:t>
+              <a:t>6/2/2023</a:t>
             </a:fld>
             <a:endParaRPr lang="en-US" dirty="0"/>
           </a:p>
@@ -5709,7 +5428,7 @@
           <a:p>
             <a:fld id="{4509A250-FF31-4206-8172-F9D3106AACB1}" type="datetimeFigureOut">
               <a:rPr lang="en-US" dirty="0"/>
-              <a:t>6/1/2023</a:t>
+              <a:t>6/2/2023</a:t>
             </a:fld>
             <a:endParaRPr lang="en-US" dirty="0"/>
           </a:p>
@@ -5979,7 +5698,7 @@
           <a:p>
             <a:fld id="{4509A250-FF31-4206-8172-F9D3106AACB1}" type="datetimeFigureOut">
               <a:rPr lang="en-US" dirty="0"/>
-              <a:t>6/1/2023</a:t>
+              <a:t>6/2/2023</a:t>
             </a:fld>
             <a:endParaRPr lang="en-US" dirty="0"/>
           </a:p>
@@ -6397,7 +6116,7 @@
           <a:p>
             <a:fld id="{4AAD347D-5ACD-4C99-B74B-A9C85AD731AF}" type="datetimeFigureOut">
               <a:rPr lang="en-US" dirty="0"/>
-              <a:t>6/1/2023</a:t>
+              <a:t>6/2/2023</a:t>
             </a:fld>
             <a:endParaRPr lang="en-US" dirty="0"/>
           </a:p>
@@ -7195,6 +6914,12 @@
               <a:t>Tárolás optimalizálás szerveroldalon</a:t>
             </a:r>
           </a:p>
+          <a:p>
+            <a:r>
+              <a:rPr lang="hu-HU" dirty="0"/>
+              <a:t>Karakterszámlálás</a:t>
+            </a:r>
+          </a:p>
         </p:txBody>
       </p:sp>
     </p:spTree>
@@ -7508,6 +7233,20 @@
           <a:p>
             <a:r>
               <a:rPr lang="hu-HU" dirty="0"/>
+              <a:t>Backend felhasznált könyvtár: </a:t>
+            </a:r>
+            <a:r>
+              <a:rPr lang="hu-HU" dirty="0" err="1"/>
+              <a:t>ImageMagick</a:t>
+            </a:r>
+            <a:r>
+              <a:rPr lang="hu-HU" dirty="0"/>
+              <a:t> (kép tömörítés)</a:t>
+            </a:r>
+          </a:p>
+          <a:p>
+            <a:r>
+              <a:rPr lang="hu-HU" dirty="0"/>
               <a:t>Verziókövetési stratégia</a:t>
             </a:r>
           </a:p>
@@ -7707,8 +7446,13 @@
             </a:r>
             <a:r>
               <a:rPr lang="hu-HU" dirty="0"/>
-              <a:t> inicializáltam, mert nála nem akart működni)</a:t>
-            </a:r>
+              <a:t> telepítettem </a:t>
+            </a:r>
+            <a:r>
+              <a:rPr lang="hu-HU"/>
+              <a:t>frontend fejlesztéshez)</a:t>
+            </a:r>
+            <a:endParaRPr lang="hu-HU" dirty="0"/>
           </a:p>
           <a:p>
             <a:pPr lvl="1"/>
@@ -7906,10 +7650,14 @@
               <a:rPr lang="hu-HU" dirty="0">
                 <a:sym typeface="Wingdings" panose="05000000000000000000" pitchFamily="2" charset="2"/>
               </a:rPr>
-              <a:t>” leadás előtti éjszaka  ijedtség, majd problémamegoldás</a:t>
-            </a:r>
-          </a:p>
-          <a:p>
+              <a:t>” leadás </a:t>
+            </a:r>
+            <a:r>
+              <a:rPr lang="hu-HU">
+                <a:sym typeface="Wingdings" panose="05000000000000000000" pitchFamily="2" charset="2"/>
+              </a:rPr>
+              <a:t>előtti éjszaka</a:t>
+            </a:r>
             <a:endParaRPr lang="hu-HU" dirty="0"/>
           </a:p>
         </p:txBody>
